--- a/YSteam開発資料まとめ/進捗まとめシート/進捗まとめシート_YSTeam11月9日.pptx
+++ b/YSteam開発資料まとめ/進捗まとめシート/進捗まとめシート_YSTeam11月9日.pptx
@@ -148,220 +148,6 @@
     </pc:docChg>
   </pc:docChgLst>
   <pc:docChgLst>
-    <pc:chgData name="松浦 凌" userId="a491d45d-af88-4374-b258-89ddfb503196" providerId="ADAL" clId="{0B99B985-2C6F-4721-B9F2-B23A4AF412BC}"/>
-    <pc:docChg chg="undo custSel addSld delSld modSld">
-      <pc:chgData name="松浦 凌" userId="a491d45d-af88-4374-b258-89ddfb503196" providerId="ADAL" clId="{0B99B985-2C6F-4721-B9F2-B23A4AF412BC}" dt="2020-10-28T07:50:08.440" v="66"/>
-      <pc:docMkLst>
-        <pc:docMk/>
-      </pc:docMkLst>
-      <pc:sldChg chg="modSp add mod">
-        <pc:chgData name="松浦 凌" userId="a491d45d-af88-4374-b258-89ddfb503196" providerId="ADAL" clId="{0B99B985-2C6F-4721-B9F2-B23A4AF412BC}" dt="2020-10-28T07:50:08.440" v="66"/>
-        <pc:sldMkLst>
-          <pc:docMk/>
-          <pc:sldMk cId="154784676" sldId="256"/>
-        </pc:sldMkLst>
-        <pc:spChg chg="mod">
-          <ac:chgData name="松浦 凌" userId="a491d45d-af88-4374-b258-89ddfb503196" providerId="ADAL" clId="{0B99B985-2C6F-4721-B9F2-B23A4AF412BC}" dt="2020-10-28T07:50:08.440" v="66"/>
-          <ac:spMkLst>
-            <pc:docMk/>
-            <pc:sldMk cId="154784676" sldId="256"/>
-            <ac:spMk id="2" creationId="{00000000-0000-0000-0000-000000000000}"/>
-          </ac:spMkLst>
-        </pc:spChg>
-      </pc:sldChg>
-      <pc:sldChg chg="addSp modSp mod">
-        <pc:chgData name="松浦 凌" userId="a491d45d-af88-4374-b258-89ddfb503196" providerId="ADAL" clId="{0B99B985-2C6F-4721-B9F2-B23A4AF412BC}" dt="2020-10-28T07:49:36.252" v="16" actId="1076"/>
-        <pc:sldMkLst>
-          <pc:docMk/>
-          <pc:sldMk cId="2904819411" sldId="274"/>
-        </pc:sldMkLst>
-        <pc:spChg chg="add mod">
-          <ac:chgData name="松浦 凌" userId="a491d45d-af88-4374-b258-89ddfb503196" providerId="ADAL" clId="{0B99B985-2C6F-4721-B9F2-B23A4AF412BC}" dt="2020-10-28T07:49:36.252" v="16" actId="1076"/>
-          <ac:spMkLst>
-            <pc:docMk/>
-            <pc:sldMk cId="2904819411" sldId="274"/>
-            <ac:spMk id="2" creationId="{61CB02A5-330B-497E-8720-41B307A474F7}"/>
-          </ac:spMkLst>
-        </pc:spChg>
-        <pc:spChg chg="mod">
-          <ac:chgData name="松浦 凌" userId="a491d45d-af88-4374-b258-89ddfb503196" providerId="ADAL" clId="{0B99B985-2C6F-4721-B9F2-B23A4AF412BC}" dt="2020-10-28T07:49:26.831" v="12" actId="1076"/>
-          <ac:spMkLst>
-            <pc:docMk/>
-            <pc:sldMk cId="2904819411" sldId="274"/>
-            <ac:spMk id="4" creationId="{00000000-0000-0000-0000-000000000000}"/>
-          </ac:spMkLst>
-        </pc:spChg>
-        <pc:spChg chg="mod">
-          <ac:chgData name="松浦 凌" userId="a491d45d-af88-4374-b258-89ddfb503196" providerId="ADAL" clId="{0B99B985-2C6F-4721-B9F2-B23A4AF412BC}" dt="2020-10-28T07:49:19.413" v="8" actId="20577"/>
-          <ac:spMkLst>
-            <pc:docMk/>
-            <pc:sldMk cId="2904819411" sldId="274"/>
-            <ac:spMk id="7" creationId="{00000000-0000-0000-0000-000000000000}"/>
-          </ac:spMkLst>
-        </pc:spChg>
-        <pc:spChg chg="add mod">
-          <ac:chgData name="松浦 凌" userId="a491d45d-af88-4374-b258-89ddfb503196" providerId="ADAL" clId="{0B99B985-2C6F-4721-B9F2-B23A4AF412BC}" dt="2020-10-28T07:49:36.252" v="16" actId="1076"/>
-          <ac:spMkLst>
-            <pc:docMk/>
-            <pc:sldMk cId="2904819411" sldId="274"/>
-            <ac:spMk id="8" creationId="{154ECC36-3FD0-4825-8FF2-D10BD5A32AB8}"/>
-          </ac:spMkLst>
-        </pc:spChg>
-        <pc:spChg chg="mod">
-          <ac:chgData name="松浦 凌" userId="a491d45d-af88-4374-b258-89ddfb503196" providerId="ADAL" clId="{0B99B985-2C6F-4721-B9F2-B23A4AF412BC}" dt="2020-10-28T07:49:26.831" v="12" actId="1076"/>
-          <ac:spMkLst>
-            <pc:docMk/>
-            <pc:sldMk cId="2904819411" sldId="274"/>
-            <ac:spMk id="11" creationId="{00000000-0000-0000-0000-000000000000}"/>
-          </ac:spMkLst>
-        </pc:spChg>
-        <pc:spChg chg="mod">
-          <ac:chgData name="松浦 凌" userId="a491d45d-af88-4374-b258-89ddfb503196" providerId="ADAL" clId="{0B99B985-2C6F-4721-B9F2-B23A4AF412BC}" dt="2020-10-28T07:49:27.909" v="13" actId="1076"/>
-          <ac:spMkLst>
-            <pc:docMk/>
-            <pc:sldMk cId="2904819411" sldId="274"/>
-            <ac:spMk id="14" creationId="{00000000-0000-0000-0000-000000000000}"/>
-          </ac:spMkLst>
-        </pc:spChg>
-        <pc:spChg chg="mod">
-          <ac:chgData name="松浦 凌" userId="a491d45d-af88-4374-b258-89ddfb503196" providerId="ADAL" clId="{0B99B985-2C6F-4721-B9F2-B23A4AF412BC}" dt="2020-10-28T07:49:30.475" v="14" actId="1076"/>
-          <ac:spMkLst>
-            <pc:docMk/>
-            <pc:sldMk cId="2904819411" sldId="274"/>
-            <ac:spMk id="15" creationId="{00000000-0000-0000-0000-000000000000}"/>
-          </ac:spMkLst>
-        </pc:spChg>
-      </pc:sldChg>
-      <pc:sldChg chg="del">
-        <pc:chgData name="松浦 凌" userId="a491d45d-af88-4374-b258-89ddfb503196" providerId="ADAL" clId="{0B99B985-2C6F-4721-B9F2-B23A4AF412BC}" dt="2020-10-28T07:50:01.571" v="18" actId="47"/>
-        <pc:sldMkLst>
-          <pc:docMk/>
-          <pc:sldMk cId="1480069645" sldId="293"/>
-        </pc:sldMkLst>
-      </pc:sldChg>
-    </pc:docChg>
-  </pc:docChgLst>
-  <pc:docChgLst>
-    <pc:chgData name="後藤 大輝" userId="5b51660a-3afa-4664-8beb-e6af5cd3425b" providerId="ADAL" clId="{9303F675-7A4E-427F-9226-8658F7D8E0C1}"/>
-    <pc:docChg chg="custSel modSld">
-      <pc:chgData name="後藤 大輝" userId="5b51660a-3afa-4664-8beb-e6af5cd3425b" providerId="ADAL" clId="{9303F675-7A4E-427F-9226-8658F7D8E0C1}" dt="2020-03-23T04:08:17.608" v="659" actId="1076"/>
-      <pc:docMkLst>
-        <pc:docMk/>
-      </pc:docMkLst>
-      <pc:sldChg chg="addSp delSp modSp mod">
-        <pc:chgData name="後藤 大輝" userId="5b51660a-3afa-4664-8beb-e6af5cd3425b" providerId="ADAL" clId="{9303F675-7A4E-427F-9226-8658F7D8E0C1}" dt="2020-03-23T04:08:17.608" v="659" actId="1076"/>
-        <pc:sldMkLst>
-          <pc:docMk/>
-          <pc:sldMk cId="807612909" sldId="272"/>
-        </pc:sldMkLst>
-        <pc:spChg chg="add del mod">
-          <ac:chgData name="後藤 大輝" userId="5b51660a-3afa-4664-8beb-e6af5cd3425b" providerId="ADAL" clId="{9303F675-7A4E-427F-9226-8658F7D8E0C1}" dt="2020-03-23T02:25:14.441" v="1"/>
-          <ac:spMkLst>
-            <pc:docMk/>
-            <pc:sldMk cId="807612909" sldId="272"/>
-            <ac:spMk id="2" creationId="{53AB4EFE-4A43-486B-8AD2-B2027AD59D3D}"/>
-          </ac:spMkLst>
-        </pc:spChg>
-        <pc:spChg chg="add del mod">
-          <ac:chgData name="後藤 大輝" userId="5b51660a-3afa-4664-8beb-e6af5cd3425b" providerId="ADAL" clId="{9303F675-7A4E-427F-9226-8658F7D8E0C1}" dt="2020-03-23T02:25:14.441" v="1"/>
-          <ac:spMkLst>
-            <pc:docMk/>
-            <pc:sldMk cId="807612909" sldId="272"/>
-            <ac:spMk id="3" creationId="{D4B9E48B-A41F-4A96-8A82-DFA3CA068F82}"/>
-          </ac:spMkLst>
-        </pc:spChg>
-        <pc:spChg chg="add del mod">
-          <ac:chgData name="後藤 大輝" userId="5b51660a-3afa-4664-8beb-e6af5cd3425b" providerId="ADAL" clId="{9303F675-7A4E-427F-9226-8658F7D8E0C1}" dt="2020-03-23T02:25:38.116" v="3" actId="478"/>
-          <ac:spMkLst>
-            <pc:docMk/>
-            <pc:sldMk cId="807612909" sldId="272"/>
-            <ac:spMk id="4" creationId="{09DF2FF9-70DD-4F21-9C59-1FB58F8E445F}"/>
-          </ac:spMkLst>
-        </pc:spChg>
-        <pc:spChg chg="add del">
-          <ac:chgData name="後藤 大輝" userId="5b51660a-3afa-4664-8beb-e6af5cd3425b" providerId="ADAL" clId="{9303F675-7A4E-427F-9226-8658F7D8E0C1}" dt="2020-03-23T02:25:45.826" v="5"/>
-          <ac:spMkLst>
-            <pc:docMk/>
-            <pc:sldMk cId="807612909" sldId="272"/>
-            <ac:spMk id="5" creationId="{6D1C7BB6-3F5A-42FA-A825-8C7A2678A4B8}"/>
-          </ac:spMkLst>
-        </pc:spChg>
-        <pc:spChg chg="mod">
-          <ac:chgData name="後藤 大輝" userId="5b51660a-3afa-4664-8beb-e6af5cd3425b" providerId="ADAL" clId="{9303F675-7A4E-427F-9226-8658F7D8E0C1}" dt="2020-03-23T04:02:01.891" v="582" actId="1076"/>
-          <ac:spMkLst>
-            <pc:docMk/>
-            <pc:sldMk cId="807612909" sldId="272"/>
-            <ac:spMk id="7" creationId="{00000000-0000-0000-0000-000000000000}"/>
-          </ac:spMkLst>
-        </pc:spChg>
-        <pc:spChg chg="add mod">
-          <ac:chgData name="後藤 大輝" userId="5b51660a-3afa-4664-8beb-e6af5cd3425b" providerId="ADAL" clId="{9303F675-7A4E-427F-9226-8658F7D8E0C1}" dt="2020-03-23T04:06:13.228" v="636"/>
-          <ac:spMkLst>
-            <pc:docMk/>
-            <pc:sldMk cId="807612909" sldId="272"/>
-            <ac:spMk id="8" creationId="{4618FBF6-6619-4175-A6BE-58D7AC36E11D}"/>
-          </ac:spMkLst>
-        </pc:spChg>
-        <pc:spChg chg="add del mod">
-          <ac:chgData name="後藤 大輝" userId="5b51660a-3afa-4664-8beb-e6af5cd3425b" providerId="ADAL" clId="{9303F675-7A4E-427F-9226-8658F7D8E0C1}" dt="2020-03-23T02:45:07.662" v="312"/>
-          <ac:spMkLst>
-            <pc:docMk/>
-            <pc:sldMk cId="807612909" sldId="272"/>
-            <ac:spMk id="10" creationId="{0D91D4DC-A6C3-416B-9851-BF4AA7E22255}"/>
-          </ac:spMkLst>
-        </pc:spChg>
-        <pc:spChg chg="add del mod">
-          <ac:chgData name="後藤 大輝" userId="5b51660a-3afa-4664-8beb-e6af5cd3425b" providerId="ADAL" clId="{9303F675-7A4E-427F-9226-8658F7D8E0C1}" dt="2020-03-23T02:45:55.979" v="314"/>
-          <ac:spMkLst>
-            <pc:docMk/>
-            <pc:sldMk cId="807612909" sldId="272"/>
-            <ac:spMk id="11" creationId="{4397E440-7E04-4635-B8AD-4664A079FA70}"/>
-          </ac:spMkLst>
-        </pc:spChg>
-        <pc:spChg chg="add del mod">
-          <ac:chgData name="後藤 大輝" userId="5b51660a-3afa-4664-8beb-e6af5cd3425b" providerId="ADAL" clId="{9303F675-7A4E-427F-9226-8658F7D8E0C1}" dt="2020-03-23T02:46:25.662" v="319"/>
-          <ac:spMkLst>
-            <pc:docMk/>
-            <pc:sldMk cId="807612909" sldId="272"/>
-            <ac:spMk id="12" creationId="{43A6C917-F13C-4832-8F0F-FCB38D601589}"/>
-          </ac:spMkLst>
-        </pc:spChg>
-        <pc:spChg chg="add del mod">
-          <ac:chgData name="後藤 大輝" userId="5b51660a-3afa-4664-8beb-e6af5cd3425b" providerId="ADAL" clId="{9303F675-7A4E-427F-9226-8658F7D8E0C1}" dt="2020-03-23T02:50:38.749" v="340"/>
-          <ac:spMkLst>
-            <pc:docMk/>
-            <pc:sldMk cId="807612909" sldId="272"/>
-            <ac:spMk id="13" creationId="{BCE8D38B-F6E2-4A1B-9E9F-E4172FBAB751}"/>
-          </ac:spMkLst>
-        </pc:spChg>
-        <pc:spChg chg="add del mod">
-          <ac:chgData name="後藤 大輝" userId="5b51660a-3afa-4664-8beb-e6af5cd3425b" providerId="ADAL" clId="{9303F675-7A4E-427F-9226-8658F7D8E0C1}" dt="2020-03-23T02:53:24.149" v="373"/>
-          <ac:spMkLst>
-            <pc:docMk/>
-            <pc:sldMk cId="807612909" sldId="272"/>
-            <ac:spMk id="14" creationId="{DD0B622C-2A6B-46A7-9A5E-7DF3D5C87120}"/>
-          </ac:spMkLst>
-        </pc:spChg>
-        <pc:spChg chg="add mod">
-          <ac:chgData name="後藤 大輝" userId="5b51660a-3afa-4664-8beb-e6af5cd3425b" providerId="ADAL" clId="{9303F675-7A4E-427F-9226-8658F7D8E0C1}" dt="2020-03-23T04:07:35.727" v="654" actId="1076"/>
-          <ac:spMkLst>
-            <pc:docMk/>
-            <pc:sldMk cId="807612909" sldId="272"/>
-            <ac:spMk id="15" creationId="{2721380D-C476-48B4-9852-53EB06DE89F5}"/>
-          </ac:spMkLst>
-        </pc:spChg>
-        <pc:picChg chg="add mod modCrop">
-          <ac:chgData name="後藤 大輝" userId="5b51660a-3afa-4664-8beb-e6af5cd3425b" providerId="ADAL" clId="{9303F675-7A4E-427F-9226-8658F7D8E0C1}" dt="2020-03-23T04:08:17.608" v="659" actId="1076"/>
-          <ac:picMkLst>
-            <pc:docMk/>
-            <pc:sldMk cId="807612909" sldId="272"/>
-            <ac:picMk id="9" creationId="{FB87A58A-365F-4DD3-95A9-38848C0DC7D0}"/>
-          </ac:picMkLst>
-        </pc:picChg>
-      </pc:sldChg>
-    </pc:docChg>
-  </pc:docChgLst>
-  <pc:docChgLst>
     <pc:chgData name="松浦 凌" userId="a491d45d-af88-4374-b258-89ddfb503196" providerId="ADAL" clId="{A03AF455-2B32-4395-83C9-89369FB7FE94}"/>
     <pc:docChg chg="undo custSel addSld delSld modSld">
       <pc:chgData name="松浦 凌" userId="a491d45d-af88-4374-b258-89ddfb503196" providerId="ADAL" clId="{A03AF455-2B32-4395-83C9-89369FB7FE94}" dt="2020-04-01T08:34:20.076" v="2327" actId="478"/>
@@ -812,6 +598,220 @@
             <ac:cxnSpMk id="7" creationId="{4FC4C75A-2D7E-4980-B93B-9CA129D24B30}"/>
           </ac:cxnSpMkLst>
         </pc:cxnChg>
+      </pc:sldChg>
+    </pc:docChg>
+  </pc:docChgLst>
+  <pc:docChgLst>
+    <pc:chgData name="後藤 大輝" userId="5b51660a-3afa-4664-8beb-e6af5cd3425b" providerId="ADAL" clId="{9303F675-7A4E-427F-9226-8658F7D8E0C1}"/>
+    <pc:docChg chg="custSel modSld">
+      <pc:chgData name="後藤 大輝" userId="5b51660a-3afa-4664-8beb-e6af5cd3425b" providerId="ADAL" clId="{9303F675-7A4E-427F-9226-8658F7D8E0C1}" dt="2020-03-23T04:08:17.608" v="659" actId="1076"/>
+      <pc:docMkLst>
+        <pc:docMk/>
+      </pc:docMkLst>
+      <pc:sldChg chg="addSp delSp modSp mod">
+        <pc:chgData name="後藤 大輝" userId="5b51660a-3afa-4664-8beb-e6af5cd3425b" providerId="ADAL" clId="{9303F675-7A4E-427F-9226-8658F7D8E0C1}" dt="2020-03-23T04:08:17.608" v="659" actId="1076"/>
+        <pc:sldMkLst>
+          <pc:docMk/>
+          <pc:sldMk cId="807612909" sldId="272"/>
+        </pc:sldMkLst>
+        <pc:spChg chg="add del mod">
+          <ac:chgData name="後藤 大輝" userId="5b51660a-3afa-4664-8beb-e6af5cd3425b" providerId="ADAL" clId="{9303F675-7A4E-427F-9226-8658F7D8E0C1}" dt="2020-03-23T02:25:14.441" v="1"/>
+          <ac:spMkLst>
+            <pc:docMk/>
+            <pc:sldMk cId="807612909" sldId="272"/>
+            <ac:spMk id="2" creationId="{53AB4EFE-4A43-486B-8AD2-B2027AD59D3D}"/>
+          </ac:spMkLst>
+        </pc:spChg>
+        <pc:spChg chg="add del mod">
+          <ac:chgData name="後藤 大輝" userId="5b51660a-3afa-4664-8beb-e6af5cd3425b" providerId="ADAL" clId="{9303F675-7A4E-427F-9226-8658F7D8E0C1}" dt="2020-03-23T02:25:14.441" v="1"/>
+          <ac:spMkLst>
+            <pc:docMk/>
+            <pc:sldMk cId="807612909" sldId="272"/>
+            <ac:spMk id="3" creationId="{D4B9E48B-A41F-4A96-8A82-DFA3CA068F82}"/>
+          </ac:spMkLst>
+        </pc:spChg>
+        <pc:spChg chg="add del mod">
+          <ac:chgData name="後藤 大輝" userId="5b51660a-3afa-4664-8beb-e6af5cd3425b" providerId="ADAL" clId="{9303F675-7A4E-427F-9226-8658F7D8E0C1}" dt="2020-03-23T02:25:38.116" v="3" actId="478"/>
+          <ac:spMkLst>
+            <pc:docMk/>
+            <pc:sldMk cId="807612909" sldId="272"/>
+            <ac:spMk id="4" creationId="{09DF2FF9-70DD-4F21-9C59-1FB58F8E445F}"/>
+          </ac:spMkLst>
+        </pc:spChg>
+        <pc:spChg chg="add del">
+          <ac:chgData name="後藤 大輝" userId="5b51660a-3afa-4664-8beb-e6af5cd3425b" providerId="ADAL" clId="{9303F675-7A4E-427F-9226-8658F7D8E0C1}" dt="2020-03-23T02:25:45.826" v="5"/>
+          <ac:spMkLst>
+            <pc:docMk/>
+            <pc:sldMk cId="807612909" sldId="272"/>
+            <ac:spMk id="5" creationId="{6D1C7BB6-3F5A-42FA-A825-8C7A2678A4B8}"/>
+          </ac:spMkLst>
+        </pc:spChg>
+        <pc:spChg chg="mod">
+          <ac:chgData name="後藤 大輝" userId="5b51660a-3afa-4664-8beb-e6af5cd3425b" providerId="ADAL" clId="{9303F675-7A4E-427F-9226-8658F7D8E0C1}" dt="2020-03-23T04:02:01.891" v="582" actId="1076"/>
+          <ac:spMkLst>
+            <pc:docMk/>
+            <pc:sldMk cId="807612909" sldId="272"/>
+            <ac:spMk id="7" creationId="{00000000-0000-0000-0000-000000000000}"/>
+          </ac:spMkLst>
+        </pc:spChg>
+        <pc:spChg chg="add mod">
+          <ac:chgData name="後藤 大輝" userId="5b51660a-3afa-4664-8beb-e6af5cd3425b" providerId="ADAL" clId="{9303F675-7A4E-427F-9226-8658F7D8E0C1}" dt="2020-03-23T04:06:13.228" v="636"/>
+          <ac:spMkLst>
+            <pc:docMk/>
+            <pc:sldMk cId="807612909" sldId="272"/>
+            <ac:spMk id="8" creationId="{4618FBF6-6619-4175-A6BE-58D7AC36E11D}"/>
+          </ac:spMkLst>
+        </pc:spChg>
+        <pc:spChg chg="add del mod">
+          <ac:chgData name="後藤 大輝" userId="5b51660a-3afa-4664-8beb-e6af5cd3425b" providerId="ADAL" clId="{9303F675-7A4E-427F-9226-8658F7D8E0C1}" dt="2020-03-23T02:45:07.662" v="312"/>
+          <ac:spMkLst>
+            <pc:docMk/>
+            <pc:sldMk cId="807612909" sldId="272"/>
+            <ac:spMk id="10" creationId="{0D91D4DC-A6C3-416B-9851-BF4AA7E22255}"/>
+          </ac:spMkLst>
+        </pc:spChg>
+        <pc:spChg chg="add del mod">
+          <ac:chgData name="後藤 大輝" userId="5b51660a-3afa-4664-8beb-e6af5cd3425b" providerId="ADAL" clId="{9303F675-7A4E-427F-9226-8658F7D8E0C1}" dt="2020-03-23T02:45:55.979" v="314"/>
+          <ac:spMkLst>
+            <pc:docMk/>
+            <pc:sldMk cId="807612909" sldId="272"/>
+            <ac:spMk id="11" creationId="{4397E440-7E04-4635-B8AD-4664A079FA70}"/>
+          </ac:spMkLst>
+        </pc:spChg>
+        <pc:spChg chg="add del mod">
+          <ac:chgData name="後藤 大輝" userId="5b51660a-3afa-4664-8beb-e6af5cd3425b" providerId="ADAL" clId="{9303F675-7A4E-427F-9226-8658F7D8E0C1}" dt="2020-03-23T02:46:25.662" v="319"/>
+          <ac:spMkLst>
+            <pc:docMk/>
+            <pc:sldMk cId="807612909" sldId="272"/>
+            <ac:spMk id="12" creationId="{43A6C917-F13C-4832-8F0F-FCB38D601589}"/>
+          </ac:spMkLst>
+        </pc:spChg>
+        <pc:spChg chg="add del mod">
+          <ac:chgData name="後藤 大輝" userId="5b51660a-3afa-4664-8beb-e6af5cd3425b" providerId="ADAL" clId="{9303F675-7A4E-427F-9226-8658F7D8E0C1}" dt="2020-03-23T02:50:38.749" v="340"/>
+          <ac:spMkLst>
+            <pc:docMk/>
+            <pc:sldMk cId="807612909" sldId="272"/>
+            <ac:spMk id="13" creationId="{BCE8D38B-F6E2-4A1B-9E9F-E4172FBAB751}"/>
+          </ac:spMkLst>
+        </pc:spChg>
+        <pc:spChg chg="add del mod">
+          <ac:chgData name="後藤 大輝" userId="5b51660a-3afa-4664-8beb-e6af5cd3425b" providerId="ADAL" clId="{9303F675-7A4E-427F-9226-8658F7D8E0C1}" dt="2020-03-23T02:53:24.149" v="373"/>
+          <ac:spMkLst>
+            <pc:docMk/>
+            <pc:sldMk cId="807612909" sldId="272"/>
+            <ac:spMk id="14" creationId="{DD0B622C-2A6B-46A7-9A5E-7DF3D5C87120}"/>
+          </ac:spMkLst>
+        </pc:spChg>
+        <pc:spChg chg="add mod">
+          <ac:chgData name="後藤 大輝" userId="5b51660a-3afa-4664-8beb-e6af5cd3425b" providerId="ADAL" clId="{9303F675-7A4E-427F-9226-8658F7D8E0C1}" dt="2020-03-23T04:07:35.727" v="654" actId="1076"/>
+          <ac:spMkLst>
+            <pc:docMk/>
+            <pc:sldMk cId="807612909" sldId="272"/>
+            <ac:spMk id="15" creationId="{2721380D-C476-48B4-9852-53EB06DE89F5}"/>
+          </ac:spMkLst>
+        </pc:spChg>
+        <pc:picChg chg="add mod modCrop">
+          <ac:chgData name="後藤 大輝" userId="5b51660a-3afa-4664-8beb-e6af5cd3425b" providerId="ADAL" clId="{9303F675-7A4E-427F-9226-8658F7D8E0C1}" dt="2020-03-23T04:08:17.608" v="659" actId="1076"/>
+          <ac:picMkLst>
+            <pc:docMk/>
+            <pc:sldMk cId="807612909" sldId="272"/>
+            <ac:picMk id="9" creationId="{FB87A58A-365F-4DD3-95A9-38848C0DC7D0}"/>
+          </ac:picMkLst>
+        </pc:picChg>
+      </pc:sldChg>
+    </pc:docChg>
+  </pc:docChgLst>
+  <pc:docChgLst>
+    <pc:chgData name="松浦 凌" userId="a491d45d-af88-4374-b258-89ddfb503196" providerId="ADAL" clId="{0B99B985-2C6F-4721-B9F2-B23A4AF412BC}"/>
+    <pc:docChg chg="undo custSel addSld delSld modSld">
+      <pc:chgData name="松浦 凌" userId="a491d45d-af88-4374-b258-89ddfb503196" providerId="ADAL" clId="{0B99B985-2C6F-4721-B9F2-B23A4AF412BC}" dt="2020-10-28T07:50:08.440" v="66"/>
+      <pc:docMkLst>
+        <pc:docMk/>
+      </pc:docMkLst>
+      <pc:sldChg chg="modSp add mod">
+        <pc:chgData name="松浦 凌" userId="a491d45d-af88-4374-b258-89ddfb503196" providerId="ADAL" clId="{0B99B985-2C6F-4721-B9F2-B23A4AF412BC}" dt="2020-10-28T07:50:08.440" v="66"/>
+        <pc:sldMkLst>
+          <pc:docMk/>
+          <pc:sldMk cId="154784676" sldId="256"/>
+        </pc:sldMkLst>
+        <pc:spChg chg="mod">
+          <ac:chgData name="松浦 凌" userId="a491d45d-af88-4374-b258-89ddfb503196" providerId="ADAL" clId="{0B99B985-2C6F-4721-B9F2-B23A4AF412BC}" dt="2020-10-28T07:50:08.440" v="66"/>
+          <ac:spMkLst>
+            <pc:docMk/>
+            <pc:sldMk cId="154784676" sldId="256"/>
+            <ac:spMk id="2" creationId="{00000000-0000-0000-0000-000000000000}"/>
+          </ac:spMkLst>
+        </pc:spChg>
+      </pc:sldChg>
+      <pc:sldChg chg="addSp modSp mod">
+        <pc:chgData name="松浦 凌" userId="a491d45d-af88-4374-b258-89ddfb503196" providerId="ADAL" clId="{0B99B985-2C6F-4721-B9F2-B23A4AF412BC}" dt="2020-10-28T07:49:36.252" v="16" actId="1076"/>
+        <pc:sldMkLst>
+          <pc:docMk/>
+          <pc:sldMk cId="2904819411" sldId="274"/>
+        </pc:sldMkLst>
+        <pc:spChg chg="add mod">
+          <ac:chgData name="松浦 凌" userId="a491d45d-af88-4374-b258-89ddfb503196" providerId="ADAL" clId="{0B99B985-2C6F-4721-B9F2-B23A4AF412BC}" dt="2020-10-28T07:49:36.252" v="16" actId="1076"/>
+          <ac:spMkLst>
+            <pc:docMk/>
+            <pc:sldMk cId="2904819411" sldId="274"/>
+            <ac:spMk id="2" creationId="{61CB02A5-330B-497E-8720-41B307A474F7}"/>
+          </ac:spMkLst>
+        </pc:spChg>
+        <pc:spChg chg="mod">
+          <ac:chgData name="松浦 凌" userId="a491d45d-af88-4374-b258-89ddfb503196" providerId="ADAL" clId="{0B99B985-2C6F-4721-B9F2-B23A4AF412BC}" dt="2020-10-28T07:49:26.831" v="12" actId="1076"/>
+          <ac:spMkLst>
+            <pc:docMk/>
+            <pc:sldMk cId="2904819411" sldId="274"/>
+            <ac:spMk id="4" creationId="{00000000-0000-0000-0000-000000000000}"/>
+          </ac:spMkLst>
+        </pc:spChg>
+        <pc:spChg chg="mod">
+          <ac:chgData name="松浦 凌" userId="a491d45d-af88-4374-b258-89ddfb503196" providerId="ADAL" clId="{0B99B985-2C6F-4721-B9F2-B23A4AF412BC}" dt="2020-10-28T07:49:19.413" v="8" actId="20577"/>
+          <ac:spMkLst>
+            <pc:docMk/>
+            <pc:sldMk cId="2904819411" sldId="274"/>
+            <ac:spMk id="7" creationId="{00000000-0000-0000-0000-000000000000}"/>
+          </ac:spMkLst>
+        </pc:spChg>
+        <pc:spChg chg="add mod">
+          <ac:chgData name="松浦 凌" userId="a491d45d-af88-4374-b258-89ddfb503196" providerId="ADAL" clId="{0B99B985-2C6F-4721-B9F2-B23A4AF412BC}" dt="2020-10-28T07:49:36.252" v="16" actId="1076"/>
+          <ac:spMkLst>
+            <pc:docMk/>
+            <pc:sldMk cId="2904819411" sldId="274"/>
+            <ac:spMk id="8" creationId="{154ECC36-3FD0-4825-8FF2-D10BD5A32AB8}"/>
+          </ac:spMkLst>
+        </pc:spChg>
+        <pc:spChg chg="mod">
+          <ac:chgData name="松浦 凌" userId="a491d45d-af88-4374-b258-89ddfb503196" providerId="ADAL" clId="{0B99B985-2C6F-4721-B9F2-B23A4AF412BC}" dt="2020-10-28T07:49:26.831" v="12" actId="1076"/>
+          <ac:spMkLst>
+            <pc:docMk/>
+            <pc:sldMk cId="2904819411" sldId="274"/>
+            <ac:spMk id="11" creationId="{00000000-0000-0000-0000-000000000000}"/>
+          </ac:spMkLst>
+        </pc:spChg>
+        <pc:spChg chg="mod">
+          <ac:chgData name="松浦 凌" userId="a491d45d-af88-4374-b258-89ddfb503196" providerId="ADAL" clId="{0B99B985-2C6F-4721-B9F2-B23A4AF412BC}" dt="2020-10-28T07:49:27.909" v="13" actId="1076"/>
+          <ac:spMkLst>
+            <pc:docMk/>
+            <pc:sldMk cId="2904819411" sldId="274"/>
+            <ac:spMk id="14" creationId="{00000000-0000-0000-0000-000000000000}"/>
+          </ac:spMkLst>
+        </pc:spChg>
+        <pc:spChg chg="mod">
+          <ac:chgData name="松浦 凌" userId="a491d45d-af88-4374-b258-89ddfb503196" providerId="ADAL" clId="{0B99B985-2C6F-4721-B9F2-B23A4AF412BC}" dt="2020-10-28T07:49:30.475" v="14" actId="1076"/>
+          <ac:spMkLst>
+            <pc:docMk/>
+            <pc:sldMk cId="2904819411" sldId="274"/>
+            <ac:spMk id="15" creationId="{00000000-0000-0000-0000-000000000000}"/>
+          </ac:spMkLst>
+        </pc:spChg>
+      </pc:sldChg>
+      <pc:sldChg chg="del">
+        <pc:chgData name="松浦 凌" userId="a491d45d-af88-4374-b258-89ddfb503196" providerId="ADAL" clId="{0B99B985-2C6F-4721-B9F2-B23A4AF412BC}" dt="2020-10-28T07:50:01.571" v="18" actId="47"/>
+        <pc:sldMkLst>
+          <pc:docMk/>
+          <pc:sldMk cId="1480069645" sldId="293"/>
+        </pc:sldMkLst>
       </pc:sldChg>
     </pc:docChg>
   </pc:docChgLst>
@@ -3816,7 +3816,7 @@
             <p:ph sz="quarter" idx="13"/>
             <p:extLst>
               <p:ext uri="{D42A27DB-BD31-4B8C-83A1-F6EECF244321}">
-                <p14:modId xmlns:p14="http://schemas.microsoft.com/office/powerpoint/2010/main" val="3919305009"/>
+                <p14:modId xmlns:p14="http://schemas.microsoft.com/office/powerpoint/2010/main" val="1914823142"/>
               </p:ext>
             </p:extLst>
           </p:nvPr>
@@ -3907,7 +3907,28 @@
                     <a:lstStyle/>
                     <a:p>
                       <a:pPr algn="ctr"/>
-                      <a:endParaRPr kumimoji="1" lang="ja-JP" altLang="en-US" sz="3600" dirty="0">
+                      <a:r>
+                        <a:rPr kumimoji="1" lang="ja-JP" altLang="en-US" sz="3600" dirty="0">
+                          <a:latin typeface="+mn-ea"/>
+                          <a:ea typeface="+mn-ea"/>
+                        </a:rPr>
+                        <a:t>画面一覧、</a:t>
+                      </a:r>
+                      <a:r>
+                        <a:rPr kumimoji="1" lang="en-US" altLang="ja-JP" sz="3600" dirty="0">
+                          <a:latin typeface="+mn-ea"/>
+                          <a:ea typeface="+mn-ea"/>
+                        </a:rPr>
+                        <a:t>DB</a:t>
+                      </a:r>
+                      <a:r>
+                        <a:rPr kumimoji="1" lang="ja-JP" altLang="en-US" sz="3600" dirty="0">
+                          <a:latin typeface="+mn-ea"/>
+                          <a:ea typeface="+mn-ea"/>
+                        </a:rPr>
+                        <a:t>設計、画面遷移図完成</a:t>
+                      </a:r>
+                      <a:endParaRPr kumimoji="1" lang="en-US" altLang="ja-JP" sz="3600" dirty="0">
                         <a:latin typeface="+mn-ea"/>
                         <a:ea typeface="+mn-ea"/>
                       </a:endParaRPr>
@@ -3928,6 +3949,39 @@
                     <a:lstStyle/>
                     <a:p>
                       <a:pPr marL="0" algn="ctr" defTabSz="914400" rtl="0" eaLnBrk="1" latinLnBrk="0" hangingPunct="1"/>
+                      <a:r>
+                        <a:rPr kumimoji="1" lang="ja-JP" altLang="en-US" sz="2800" kern="1200" dirty="0">
+                          <a:solidFill>
+                            <a:schemeClr val="dk1"/>
+                          </a:solidFill>
+                          <a:latin typeface="+mn-ea"/>
+                          <a:ea typeface="+mn-ea"/>
+                          <a:cs typeface="+mn-cs"/>
+                        </a:rPr>
+                        <a:t>全画面の画面設計書完成</a:t>
+                      </a:r>
+                      <a:endParaRPr kumimoji="1" lang="en-US" altLang="ja-JP" sz="2800" kern="1200" dirty="0">
+                        <a:solidFill>
+                          <a:schemeClr val="dk1"/>
+                        </a:solidFill>
+                        <a:latin typeface="+mn-ea"/>
+                        <a:ea typeface="+mn-ea"/>
+                        <a:cs typeface="+mn-cs"/>
+                      </a:endParaRPr>
+                    </a:p>
+                    <a:p>
+                      <a:pPr marL="0" algn="ctr" defTabSz="914400" rtl="0" eaLnBrk="1" latinLnBrk="0" hangingPunct="1"/>
+                      <a:r>
+                        <a:rPr kumimoji="1" lang="ja-JP" altLang="en-US" sz="2800" kern="1200" dirty="0">
+                          <a:solidFill>
+                            <a:schemeClr val="dk1"/>
+                          </a:solidFill>
+                          <a:latin typeface="+mn-ea"/>
+                          <a:ea typeface="+mn-ea"/>
+                          <a:cs typeface="+mn-cs"/>
+                        </a:rPr>
+                        <a:t>要件定義の漏れがない状態で詳細設計に入る</a:t>
+                      </a:r>
                       <a:endParaRPr kumimoji="1" lang="en-US" altLang="ja-JP" sz="2800" kern="1200" dirty="0">
                         <a:solidFill>
                           <a:schemeClr val="dk1"/>
@@ -4028,14 +4082,17 @@
                     <a:lstStyle/>
                     <a:p>
                       <a:pPr marL="0" algn="ctr" defTabSz="914400" rtl="0" eaLnBrk="1" latinLnBrk="0" hangingPunct="1"/>
-                      <a:endParaRPr kumimoji="1" lang="ja-JP" altLang="en-US" sz="3600" kern="1200" dirty="0">
-                        <a:solidFill>
-                          <a:schemeClr val="dk1"/>
-                        </a:solidFill>
-                        <a:latin typeface="+mn-ea"/>
-                        <a:ea typeface="+mn-ea"/>
-                        <a:cs typeface="+mn-cs"/>
-                      </a:endParaRPr>
+                      <a:r>
+                        <a:rPr kumimoji="1" lang="ja-JP" altLang="en-US" sz="3600" kern="1200" dirty="0">
+                          <a:solidFill>
+                            <a:schemeClr val="dk1"/>
+                          </a:solidFill>
+                          <a:latin typeface="+mn-ea"/>
+                          <a:ea typeface="+mn-ea"/>
+                          <a:cs typeface="+mn-cs"/>
+                        </a:rPr>
+                        <a:t>なし</a:t>
+                      </a:r>
                     </a:p>
                   </a:txBody>
                   <a:tcPr anchor="ctr">
@@ -4053,6 +4110,28 @@
                     <a:lstStyle/>
                     <a:p>
                       <a:pPr marL="0" algn="ctr" defTabSz="914400" rtl="0" eaLnBrk="1" latinLnBrk="0" hangingPunct="1"/>
+                      <a:r>
+                        <a:rPr kumimoji="1" lang="ja-JP" altLang="en-US" sz="3600" kern="1200" dirty="0">
+                          <a:solidFill>
+                            <a:schemeClr val="dk1"/>
+                          </a:solidFill>
+                          <a:latin typeface="+mn-ea"/>
+                          <a:ea typeface="+mn-ea"/>
+                          <a:cs typeface="+mn-cs"/>
+                        </a:rPr>
+                        <a:t>欲しい機能あれば</a:t>
+                      </a:r>
+                      <a:r>
+                        <a:rPr kumimoji="1" lang="ja-JP" altLang="en-US" sz="3600" kern="1200">
+                          <a:solidFill>
+                            <a:schemeClr val="dk1"/>
+                          </a:solidFill>
+                          <a:latin typeface="+mn-ea"/>
+                          <a:ea typeface="+mn-ea"/>
+                          <a:cs typeface="+mn-cs"/>
+                        </a:rPr>
+                        <a:t>積極的に伝えましょう</a:t>
+                      </a:r>
                       <a:endParaRPr kumimoji="1" lang="ja-JP" altLang="en-US" sz="3600" kern="1200" dirty="0">
                         <a:solidFill>
                           <a:schemeClr val="dk1"/>
